--- a/チートシート.pptx
+++ b/チートシート.pptx
@@ -288,7 +288,7 @@
           <a:p>
             <a:fld id="{C1E02DA3-4CA4-7242-A49C-520A8F18AF5F}" type="datetimeFigureOut">
               <a:rPr kumimoji="1" lang="ja-JP" altLang="en-US" smtClean="0"/>
-              <a:t>16/05/04</a:t>
+              <a:t>16/05/08</a:t>
             </a:fld>
             <a:endParaRPr kumimoji="1" lang="ja-JP" altLang="en-US"/>
           </a:p>
@@ -490,7 +490,7 @@
           <a:p>
             <a:fld id="{C1E02DA3-4CA4-7242-A49C-520A8F18AF5F}" type="datetimeFigureOut">
               <a:rPr kumimoji="1" lang="ja-JP" altLang="en-US" smtClean="0"/>
-              <a:t>16/05/04</a:t>
+              <a:t>16/05/08</a:t>
             </a:fld>
             <a:endParaRPr kumimoji="1" lang="ja-JP" altLang="en-US"/>
           </a:p>
@@ -702,7 +702,7 @@
           <a:p>
             <a:fld id="{C1E02DA3-4CA4-7242-A49C-520A8F18AF5F}" type="datetimeFigureOut">
               <a:rPr kumimoji="1" lang="ja-JP" altLang="en-US" smtClean="0"/>
-              <a:t>16/05/04</a:t>
+              <a:t>16/05/08</a:t>
             </a:fld>
             <a:endParaRPr kumimoji="1" lang="ja-JP" altLang="en-US"/>
           </a:p>
@@ -904,7 +904,7 @@
           <a:p>
             <a:fld id="{C1E02DA3-4CA4-7242-A49C-520A8F18AF5F}" type="datetimeFigureOut">
               <a:rPr kumimoji="1" lang="ja-JP" altLang="en-US" smtClean="0"/>
-              <a:t>16/05/04</a:t>
+              <a:t>16/05/08</a:t>
             </a:fld>
             <a:endParaRPr kumimoji="1" lang="ja-JP" altLang="en-US"/>
           </a:p>
@@ -1150,7 +1150,7 @@
           <a:p>
             <a:fld id="{C1E02DA3-4CA4-7242-A49C-520A8F18AF5F}" type="datetimeFigureOut">
               <a:rPr kumimoji="1" lang="ja-JP" altLang="en-US" smtClean="0"/>
-              <a:t>16/05/04</a:t>
+              <a:t>16/05/08</a:t>
             </a:fld>
             <a:endParaRPr kumimoji="1" lang="ja-JP" altLang="en-US"/>
           </a:p>
@@ -1502,7 +1502,7 @@
           <a:p>
             <a:fld id="{C1E02DA3-4CA4-7242-A49C-520A8F18AF5F}" type="datetimeFigureOut">
               <a:rPr kumimoji="1" lang="ja-JP" altLang="en-US" smtClean="0"/>
-              <a:t>16/05/04</a:t>
+              <a:t>16/05/08</a:t>
             </a:fld>
             <a:endParaRPr kumimoji="1" lang="ja-JP" altLang="en-US"/>
           </a:p>
@@ -1988,7 +1988,7 @@
           <a:p>
             <a:fld id="{C1E02DA3-4CA4-7242-A49C-520A8F18AF5F}" type="datetimeFigureOut">
               <a:rPr kumimoji="1" lang="ja-JP" altLang="en-US" smtClean="0"/>
-              <a:t>16/05/04</a:t>
+              <a:t>16/05/08</a:t>
             </a:fld>
             <a:endParaRPr kumimoji="1" lang="ja-JP" altLang="en-US"/>
           </a:p>
@@ -2106,7 +2106,7 @@
           <a:p>
             <a:fld id="{C1E02DA3-4CA4-7242-A49C-520A8F18AF5F}" type="datetimeFigureOut">
               <a:rPr kumimoji="1" lang="ja-JP" altLang="en-US" smtClean="0"/>
-              <a:t>16/05/04</a:t>
+              <a:t>16/05/08</a:t>
             </a:fld>
             <a:endParaRPr kumimoji="1" lang="ja-JP" altLang="en-US"/>
           </a:p>
@@ -2201,7 +2201,7 @@
           <a:p>
             <a:fld id="{C1E02DA3-4CA4-7242-A49C-520A8F18AF5F}" type="datetimeFigureOut">
               <a:rPr kumimoji="1" lang="ja-JP" altLang="en-US" smtClean="0"/>
-              <a:t>16/05/04</a:t>
+              <a:t>16/05/08</a:t>
             </a:fld>
             <a:endParaRPr kumimoji="1" lang="ja-JP" altLang="en-US"/>
           </a:p>
@@ -2510,7 +2510,7 @@
           <a:p>
             <a:fld id="{C1E02DA3-4CA4-7242-A49C-520A8F18AF5F}" type="datetimeFigureOut">
               <a:rPr kumimoji="1" lang="ja-JP" altLang="en-US" smtClean="0"/>
-              <a:t>16/05/04</a:t>
+              <a:t>16/05/08</a:t>
             </a:fld>
             <a:endParaRPr kumimoji="1" lang="ja-JP" altLang="en-US"/>
           </a:p>
@@ -2763,7 +2763,7 @@
           <a:p>
             <a:fld id="{C1E02DA3-4CA4-7242-A49C-520A8F18AF5F}" type="datetimeFigureOut">
               <a:rPr kumimoji="1" lang="ja-JP" altLang="en-US" smtClean="0"/>
-              <a:t>16/05/04</a:t>
+              <a:t>16/05/08</a:t>
             </a:fld>
             <a:endParaRPr kumimoji="1" lang="ja-JP" altLang="en-US"/>
           </a:p>
@@ -3008,7 +3008,7 @@
           <a:p>
             <a:fld id="{C1E02DA3-4CA4-7242-A49C-520A8F18AF5F}" type="datetimeFigureOut">
               <a:rPr kumimoji="1" lang="ja-JP" altLang="en-US" smtClean="0"/>
-              <a:t>16/05/04</a:t>
+              <a:t>16/05/08</a:t>
             </a:fld>
             <a:endParaRPr kumimoji="1" lang="ja-JP" altLang="en-US"/>
           </a:p>
@@ -3392,7 +3392,7 @@
         <p:spPr>
           <a:xfrm>
             <a:off x="0" y="0"/>
-            <a:ext cx="9144000" cy="6740308"/>
+            <a:ext cx="9144000" cy="7294305"/>
           </a:xfrm>
           <a:prstGeom prst="rect">
             <a:avLst/>
@@ -3582,7 +3582,41 @@
             </a:r>
             <a:r>
               <a:rPr lang="ja-JP" altLang="en-US" dirty="0" smtClean="0"/>
-              <a:t>の上、一文字後にジャンプ</a:t>
+              <a:t>の上、一文字後に</a:t>
+            </a:r>
+            <a:r>
+              <a:rPr lang="ja-JP" altLang="en-US" dirty="0" smtClean="0"/>
+              <a:t>ジャンプ</a:t>
+            </a:r>
+            <a:endParaRPr lang="en-US" altLang="ja-JP" dirty="0" smtClean="0"/>
+          </a:p>
+          <a:p>
+            <a:r>
+              <a:rPr lang="en-US" altLang="ja-JP" dirty="0" smtClean="0"/>
+              <a:t>g;</a:t>
+            </a:r>
+            <a:r>
+              <a:rPr lang="ja-JP" altLang="en-US" dirty="0" smtClean="0"/>
+              <a:t> </a:t>
+            </a:r>
+            <a:r>
+              <a:rPr lang="en-US" altLang="ja-JP" dirty="0" smtClean="0"/>
+              <a:t>		</a:t>
+            </a:r>
+            <a:r>
+              <a:rPr lang="ja-JP" altLang="en-US" dirty="0" smtClean="0"/>
+              <a:t>変更箇所に戻る</a:t>
+            </a:r>
+            <a:endParaRPr lang="en-US" altLang="ja-JP" dirty="0" smtClean="0"/>
+          </a:p>
+          <a:p>
+            <a:r>
+              <a:rPr lang="en-US" altLang="ja-JP" dirty="0" smtClean="0"/>
+              <a:t>g,		</a:t>
+            </a:r>
+            <a:r>
+              <a:rPr lang="ja-JP" altLang="en-US" smtClean="0"/>
+              <a:t>変更箇所に進む</a:t>
             </a:r>
             <a:endParaRPr lang="en-US" altLang="ja-JP" dirty="0" smtClean="0"/>
           </a:p>

--- a/チートシート.pptx
+++ b/チートシート.pptx
@@ -288,7 +288,7 @@
           <a:p>
             <a:fld id="{C1E02DA3-4CA4-7242-A49C-520A8F18AF5F}" type="datetimeFigureOut">
               <a:rPr kumimoji="1" lang="ja-JP" altLang="en-US" smtClean="0"/>
-              <a:t>16/05/08</a:t>
+              <a:t>17/02/11</a:t>
             </a:fld>
             <a:endParaRPr kumimoji="1" lang="ja-JP" altLang="en-US"/>
           </a:p>
@@ -490,7 +490,7 @@
           <a:p>
             <a:fld id="{C1E02DA3-4CA4-7242-A49C-520A8F18AF5F}" type="datetimeFigureOut">
               <a:rPr kumimoji="1" lang="ja-JP" altLang="en-US" smtClean="0"/>
-              <a:t>16/05/08</a:t>
+              <a:t>17/02/11</a:t>
             </a:fld>
             <a:endParaRPr kumimoji="1" lang="ja-JP" altLang="en-US"/>
           </a:p>
@@ -702,7 +702,7 @@
           <a:p>
             <a:fld id="{C1E02DA3-4CA4-7242-A49C-520A8F18AF5F}" type="datetimeFigureOut">
               <a:rPr kumimoji="1" lang="ja-JP" altLang="en-US" smtClean="0"/>
-              <a:t>16/05/08</a:t>
+              <a:t>17/02/11</a:t>
             </a:fld>
             <a:endParaRPr kumimoji="1" lang="ja-JP" altLang="en-US"/>
           </a:p>
@@ -904,7 +904,7 @@
           <a:p>
             <a:fld id="{C1E02DA3-4CA4-7242-A49C-520A8F18AF5F}" type="datetimeFigureOut">
               <a:rPr kumimoji="1" lang="ja-JP" altLang="en-US" smtClean="0"/>
-              <a:t>16/05/08</a:t>
+              <a:t>17/02/11</a:t>
             </a:fld>
             <a:endParaRPr kumimoji="1" lang="ja-JP" altLang="en-US"/>
           </a:p>
@@ -1150,7 +1150,7 @@
           <a:p>
             <a:fld id="{C1E02DA3-4CA4-7242-A49C-520A8F18AF5F}" type="datetimeFigureOut">
               <a:rPr kumimoji="1" lang="ja-JP" altLang="en-US" smtClean="0"/>
-              <a:t>16/05/08</a:t>
+              <a:t>17/02/11</a:t>
             </a:fld>
             <a:endParaRPr kumimoji="1" lang="ja-JP" altLang="en-US"/>
           </a:p>
@@ -1502,7 +1502,7 @@
           <a:p>
             <a:fld id="{C1E02DA3-4CA4-7242-A49C-520A8F18AF5F}" type="datetimeFigureOut">
               <a:rPr kumimoji="1" lang="ja-JP" altLang="en-US" smtClean="0"/>
-              <a:t>16/05/08</a:t>
+              <a:t>17/02/11</a:t>
             </a:fld>
             <a:endParaRPr kumimoji="1" lang="ja-JP" altLang="en-US"/>
           </a:p>
@@ -1988,7 +1988,7 @@
           <a:p>
             <a:fld id="{C1E02DA3-4CA4-7242-A49C-520A8F18AF5F}" type="datetimeFigureOut">
               <a:rPr kumimoji="1" lang="ja-JP" altLang="en-US" smtClean="0"/>
-              <a:t>16/05/08</a:t>
+              <a:t>17/02/11</a:t>
             </a:fld>
             <a:endParaRPr kumimoji="1" lang="ja-JP" altLang="en-US"/>
           </a:p>
@@ -2106,7 +2106,7 @@
           <a:p>
             <a:fld id="{C1E02DA3-4CA4-7242-A49C-520A8F18AF5F}" type="datetimeFigureOut">
               <a:rPr kumimoji="1" lang="ja-JP" altLang="en-US" smtClean="0"/>
-              <a:t>16/05/08</a:t>
+              <a:t>17/02/11</a:t>
             </a:fld>
             <a:endParaRPr kumimoji="1" lang="ja-JP" altLang="en-US"/>
           </a:p>
@@ -2201,7 +2201,7 @@
           <a:p>
             <a:fld id="{C1E02DA3-4CA4-7242-A49C-520A8F18AF5F}" type="datetimeFigureOut">
               <a:rPr kumimoji="1" lang="ja-JP" altLang="en-US" smtClean="0"/>
-              <a:t>16/05/08</a:t>
+              <a:t>17/02/11</a:t>
             </a:fld>
             <a:endParaRPr kumimoji="1" lang="ja-JP" altLang="en-US"/>
           </a:p>
@@ -2510,7 +2510,7 @@
           <a:p>
             <a:fld id="{C1E02DA3-4CA4-7242-A49C-520A8F18AF5F}" type="datetimeFigureOut">
               <a:rPr kumimoji="1" lang="ja-JP" altLang="en-US" smtClean="0"/>
-              <a:t>16/05/08</a:t>
+              <a:t>17/02/11</a:t>
             </a:fld>
             <a:endParaRPr kumimoji="1" lang="ja-JP" altLang="en-US"/>
           </a:p>
@@ -2763,7 +2763,7 @@
           <a:p>
             <a:fld id="{C1E02DA3-4CA4-7242-A49C-520A8F18AF5F}" type="datetimeFigureOut">
               <a:rPr kumimoji="1" lang="ja-JP" altLang="en-US" smtClean="0"/>
-              <a:t>16/05/08</a:t>
+              <a:t>17/02/11</a:t>
             </a:fld>
             <a:endParaRPr kumimoji="1" lang="ja-JP" altLang="en-US"/>
           </a:p>
@@ -3008,7 +3008,7 @@
           <a:p>
             <a:fld id="{C1E02DA3-4CA4-7242-A49C-520A8F18AF5F}" type="datetimeFigureOut">
               <a:rPr kumimoji="1" lang="ja-JP" altLang="en-US" smtClean="0"/>
-              <a:t>16/05/08</a:t>
+              <a:t>17/02/11</a:t>
             </a:fld>
             <a:endParaRPr kumimoji="1" lang="ja-JP" altLang="en-US"/>
           </a:p>
@@ -3392,7 +3392,7 @@
         <p:spPr>
           <a:xfrm>
             <a:off x="0" y="0"/>
-            <a:ext cx="9144000" cy="7294305"/>
+            <a:ext cx="9144000" cy="5632312"/>
           </a:xfrm>
           <a:prstGeom prst="rect">
             <a:avLst/>
@@ -3498,102 +3498,34 @@
           </a:p>
           <a:p>
             <a:r>
-              <a:rPr lang="en-US" altLang="ja-JP" dirty="0" err="1" smtClean="0"/>
-              <a:t>ciw</a:t>
-            </a:r>
+              <a:rPr kumimoji="1" lang="en-US" altLang="ja-JP" dirty="0" smtClean="0"/>
+              <a:t>I </a:t>
+            </a:r>
+            <a:r>
+              <a:rPr kumimoji="1" lang="en-US" altLang="ja-JP" dirty="0" smtClean="0"/>
+              <a:t>		</a:t>
+            </a:r>
+            <a:r>
+              <a:rPr kumimoji="1" lang="ja-JP" altLang="en-US" dirty="0" smtClean="0"/>
+              <a:t>行の先頭から挿入</a:t>
+            </a:r>
+            <a:r>
+              <a:rPr kumimoji="1" lang="ja-JP" altLang="en-US" dirty="0" smtClean="0"/>
+              <a:t>モード</a:t>
+            </a:r>
+            <a:endParaRPr lang="en-US" altLang="ja-JP" dirty="0"/>
+          </a:p>
+          <a:p>
+            <a:endParaRPr kumimoji="1" lang="en-US" altLang="ja-JP" dirty="0"/>
+          </a:p>
+          <a:p>
             <a:r>
               <a:rPr lang="en-US" altLang="ja-JP" dirty="0" smtClean="0"/>
-              <a:t> 		</a:t>
-            </a:r>
-            <a:r>
-              <a:rPr lang="ja-JP" altLang="en-US" dirty="0" smtClean="0"/>
-              <a:t>カーソル上の単語を削除してから挿入モード</a:t>
-            </a:r>
-            <a:endParaRPr lang="en-US" altLang="ja-JP" dirty="0" smtClean="0"/>
-          </a:p>
-          <a:p>
-            <a:r>
-              <a:rPr kumimoji="1" lang="en-US" altLang="ja-JP" dirty="0" smtClean="0"/>
-              <a:t>I 		</a:t>
-            </a:r>
-            <a:r>
-              <a:rPr kumimoji="1" lang="ja-JP" altLang="en-US" dirty="0" smtClean="0"/>
-              <a:t>行の先頭から挿入モード</a:t>
-            </a:r>
-            <a:endParaRPr kumimoji="1" lang="en-US" altLang="ja-JP" dirty="0" smtClean="0"/>
-          </a:p>
-          <a:p>
+              <a:t>g</a:t>
+            </a:r>
             <a:r>
               <a:rPr lang="en-US" altLang="ja-JP" dirty="0" smtClean="0"/>
-              <a:t>C</a:t>
-            </a:r>
-            <a:r>
-              <a:rPr lang="en-US" altLang="en-US" dirty="0"/>
-              <a:t> </a:t>
-            </a:r>
-            <a:r>
-              <a:rPr lang="en-US" altLang="en-US" dirty="0" smtClean="0"/>
-              <a:t>		</a:t>
-            </a:r>
-            <a:r>
-              <a:rPr lang="ja-JP" altLang="en-US" dirty="0" smtClean="0"/>
-              <a:t>現在のカーソルから行末までを削除してから挿入モード</a:t>
-            </a:r>
-            <a:endParaRPr lang="en-US" altLang="ja-JP" dirty="0" smtClean="0"/>
-          </a:p>
-          <a:p>
-            <a:endParaRPr kumimoji="1" lang="en-US" altLang="ja-JP" dirty="0"/>
-          </a:p>
-          <a:p>
-            <a:r>
-              <a:rPr kumimoji="1" lang="en-US" altLang="ja-JP" dirty="0" smtClean="0"/>
-              <a:t>f/t+(x) 	</a:t>
-            </a:r>
-            <a:r>
-              <a:rPr kumimoji="1" lang="ja-JP" altLang="en-US" dirty="0" smtClean="0"/>
-              <a:t>同じ行で</a:t>
-            </a:r>
-            <a:r>
-              <a:rPr lang="ja-JP" altLang="en-US" dirty="0" smtClean="0"/>
-              <a:t>カーソルの次にある文字</a:t>
-            </a:r>
-            <a:r>
-              <a:rPr lang="en-US" altLang="ja-JP" dirty="0" smtClean="0"/>
-              <a:t>x</a:t>
-            </a:r>
-            <a:r>
-              <a:rPr lang="ja-JP" altLang="en-US" dirty="0" smtClean="0"/>
-              <a:t>の上、一文字手前にジャンプ</a:t>
-            </a:r>
-            <a:endParaRPr lang="en-US" altLang="ja-JP" dirty="0" smtClean="0"/>
-          </a:p>
-          <a:p>
-            <a:r>
-              <a:rPr lang="en-US" altLang="ja-JP" dirty="0" smtClean="0"/>
-              <a:t>F/T+(x) 	</a:t>
-            </a:r>
-            <a:r>
-              <a:rPr lang="ja-JP" altLang="en-US" dirty="0" smtClean="0"/>
-              <a:t>同じ行でカーソルの手前にある文字</a:t>
-            </a:r>
-            <a:r>
-              <a:rPr lang="en-US" altLang="ja-JP" dirty="0" smtClean="0"/>
-              <a:t>x</a:t>
-            </a:r>
-            <a:r>
-              <a:rPr lang="ja-JP" altLang="en-US" dirty="0" smtClean="0"/>
-              <a:t>の上、一文字後に</a:t>
-            </a:r>
-            <a:r>
-              <a:rPr lang="ja-JP" altLang="en-US" dirty="0" smtClean="0"/>
-              <a:t>ジャンプ</a:t>
-            </a:r>
-            <a:endParaRPr lang="en-US" altLang="ja-JP" dirty="0" smtClean="0"/>
-          </a:p>
-          <a:p>
-            <a:r>
-              <a:rPr lang="en-US" altLang="ja-JP" dirty="0" smtClean="0"/>
-              <a:t>g;</a:t>
+              <a:t>;</a:t>
             </a:r>
             <a:r>
               <a:rPr lang="ja-JP" altLang="en-US" dirty="0" smtClean="0"/>
@@ -3615,32 +3547,14 @@
               <a:t>g,		</a:t>
             </a:r>
             <a:r>
-              <a:rPr lang="ja-JP" altLang="en-US" smtClean="0"/>
-              <a:t>変更箇所に進む</a:t>
-            </a:r>
-            <a:endParaRPr lang="en-US" altLang="ja-JP" dirty="0" smtClean="0"/>
-          </a:p>
-          <a:p>
+              <a:rPr lang="ja-JP" altLang="en-US" dirty="0" smtClean="0"/>
+              <a:t>変更箇所に</a:t>
+            </a:r>
+            <a:r>
+              <a:rPr lang="ja-JP" altLang="en-US" dirty="0" smtClean="0"/>
+              <a:t>進む</a:t>
+            </a:r>
             <a:endParaRPr lang="en-US" altLang="ja-JP" dirty="0"/>
-          </a:p>
-          <a:p>
-            <a:r>
-              <a:rPr lang="en-US" altLang="en-US" dirty="0" smtClean="0"/>
-              <a:t>J/</a:t>
-            </a:r>
-            <a:r>
-              <a:rPr lang="en-US" altLang="en-US" dirty="0" err="1" smtClean="0"/>
-              <a:t>gJ</a:t>
-            </a:r>
-            <a:r>
-              <a:rPr lang="en-US" altLang="en-US" dirty="0" smtClean="0"/>
-              <a:t> 		</a:t>
-            </a:r>
-            <a:r>
-              <a:rPr lang="ja-JP" altLang="en-US" dirty="0" smtClean="0"/>
-              <a:t>選択した複数行を連結。スペースあり、なし</a:t>
-            </a:r>
-            <a:endParaRPr lang="en-US" altLang="ja-JP" dirty="0" smtClean="0"/>
           </a:p>
           <a:p>
             <a:endParaRPr lang="en-US" altLang="ja-JP" dirty="0" smtClean="0"/>
@@ -3659,17 +3573,6 @@
           <a:p>
             <a:r>
               <a:rPr lang="en-US" altLang="ja-JP" dirty="0" smtClean="0"/>
-              <a:t>* 		</a:t>
-            </a:r>
-            <a:r>
-              <a:rPr lang="ja-JP" altLang="en-US" dirty="0" smtClean="0"/>
-              <a:t>カーソル上の単語を検索する</a:t>
-            </a:r>
-            <a:endParaRPr lang="en-US" altLang="ja-JP" dirty="0" smtClean="0"/>
-          </a:p>
-          <a:p>
-            <a:r>
-              <a:rPr lang="en-US" altLang="ja-JP" dirty="0"/>
               <a:t>g</a:t>
             </a:r>
             <a:r>
@@ -3696,14 +3599,53 @@
             </a:r>
             <a:r>
               <a:rPr lang="ja-JP" altLang="en-US" dirty="0" smtClean="0"/>
-              <a:t>ウィンドウを縦、横に分割</a:t>
+              <a:t>ウィンドウを縦、横に</a:t>
+            </a:r>
+            <a:r>
+              <a:rPr lang="ja-JP" altLang="en-US" dirty="0" smtClean="0"/>
+              <a:t>分割</a:t>
             </a:r>
             <a:endParaRPr lang="en-US" altLang="ja-JP" dirty="0" smtClean="0"/>
           </a:p>
           <a:p>
+            <a:r>
+              <a:rPr lang="en-US" altLang="ja-JP" dirty="0" err="1" smtClean="0"/>
+              <a:t>C-w+h,j,k,l</a:t>
+            </a:r>
+            <a:r>
+              <a:rPr lang="ja-JP" altLang="en-US" dirty="0" smtClean="0"/>
+              <a:t>ウィンドウを</a:t>
+            </a:r>
+            <a:r>
+              <a:rPr lang="en-US" altLang="ja-JP" dirty="0" err="1" smtClean="0"/>
+              <a:t>h,j,k,l</a:t>
+            </a:r>
+            <a:r>
+              <a:rPr lang="ja-JP" altLang="en-US" dirty="0" smtClean="0"/>
+              <a:t>に移動</a:t>
+            </a:r>
+            <a:endParaRPr lang="en-US" altLang="ja-JP" dirty="0" smtClean="0"/>
+          </a:p>
+          <a:p>
             <a:endParaRPr lang="en-US" altLang="ja-JP" dirty="0"/>
           </a:p>
           <a:p>
+            <a:r>
+              <a:rPr lang="en-US" altLang="ja-JP" dirty="0" smtClean="0"/>
+              <a:t>q:</a:t>
+            </a:r>
+            <a:r>
+              <a:rPr lang="ja-JP" altLang="en-US" dirty="0" smtClean="0"/>
+              <a:t>　</a:t>
+            </a:r>
+            <a:r>
+              <a:rPr lang="en-US" altLang="ja-JP" dirty="0" smtClean="0"/>
+              <a:t>		</a:t>
+            </a:r>
+            <a:r>
+              <a:rPr lang="ja-JP" altLang="en-US" dirty="0" smtClean="0"/>
+              <a:t>コマンド履歴を表示</a:t>
+            </a:r>
             <a:endParaRPr lang="en-US" altLang="ja-JP" dirty="0" smtClean="0"/>
           </a:p>
           <a:p>

--- a/チートシート.pptx
+++ b/チートシート.pptx
@@ -3392,7 +3392,7 @@
         <p:spPr>
           <a:xfrm>
             <a:off x="0" y="0"/>
-            <a:ext cx="9144000" cy="5632312"/>
+            <a:ext cx="9144000" cy="6463309"/>
           </a:xfrm>
           <a:prstGeom prst="rect">
             <a:avLst/>
@@ -3436,9 +3436,21 @@
           </a:p>
           <a:p>
             <a:r>
+              <a:rPr lang="en-US" altLang="ja-JP" dirty="0" smtClean="0"/>
+              <a:t>b		</a:t>
+            </a:r>
+            <a:r>
+              <a:rPr lang="ja-JP" altLang="en-US" dirty="0" smtClean="0"/>
+              <a:t>前の単語の頭に移動する</a:t>
+            </a:r>
+            <a:endParaRPr kumimoji="1" lang="en-US" altLang="ja-JP" dirty="0" smtClean="0"/>
+          </a:p>
+          <a:p>
+            <a:r>
               <a:rPr kumimoji="1" lang="en-US" altLang="ja-JP" dirty="0" smtClean="0"/>
               <a:t> </a:t>
             </a:r>
+            <a:endParaRPr kumimoji="1" lang="en-US" altLang="ja-JP" dirty="0" smtClean="0"/>
           </a:p>
           <a:p>
             <a:r>
@@ -3492,7 +3504,26 @@
             </a:r>
             <a:r>
               <a:rPr lang="ja-JP" altLang="en-US" dirty="0" smtClean="0"/>
-              <a:t>カーソル上の文字を削除しながら挿入モード</a:t>
+              <a:t>カーソル上の文字を削除しながら挿入</a:t>
+            </a:r>
+            <a:r>
+              <a:rPr lang="ja-JP" altLang="en-US" dirty="0" smtClean="0"/>
+              <a:t>モード</a:t>
+            </a:r>
+            <a:endParaRPr lang="en-US" altLang="ja-JP" dirty="0" smtClean="0"/>
+          </a:p>
+          <a:p>
+            <a:r>
+              <a:rPr lang="en-US" altLang="ja-JP" dirty="0" smtClean="0"/>
+              <a:t>S		</a:t>
+            </a:r>
+            <a:r>
+              <a:rPr lang="ja-JP" altLang="en-US" dirty="0" smtClean="0"/>
+              <a:t>行全体を削除</a:t>
+            </a:r>
+            <a:r>
+              <a:rPr lang="ja-JP" altLang="en-US" smtClean="0"/>
+              <a:t>し、挿入モード</a:t>
             </a:r>
             <a:endParaRPr lang="en-US" altLang="ja-JP" dirty="0" smtClean="0"/>
           </a:p>
@@ -3507,11 +3538,26 @@
             </a:r>
             <a:r>
               <a:rPr kumimoji="1" lang="ja-JP" altLang="en-US" dirty="0" smtClean="0"/>
-              <a:t>行の先頭から挿入</a:t>
+              <a:t>行頭から</a:t>
+            </a:r>
+            <a:r>
+              <a:rPr kumimoji="1" lang="ja-JP" altLang="en-US" dirty="0" smtClean="0"/>
+              <a:t>挿入</a:t>
             </a:r>
             <a:r>
               <a:rPr kumimoji="1" lang="ja-JP" altLang="en-US" dirty="0" smtClean="0"/>
               <a:t>モード</a:t>
+            </a:r>
+            <a:endParaRPr kumimoji="1" lang="en-US" altLang="ja-JP" dirty="0" smtClean="0"/>
+          </a:p>
+          <a:p>
+            <a:r>
+              <a:rPr lang="en-US" altLang="ja-JP" dirty="0" smtClean="0"/>
+              <a:t>A		</a:t>
+            </a:r>
+            <a:r>
+              <a:rPr lang="ja-JP" altLang="en-US" dirty="0" smtClean="0"/>
+              <a:t>行末から挿入モード</a:t>
             </a:r>
             <a:endParaRPr lang="en-US" altLang="ja-JP" dirty="0"/>
           </a:p>

--- a/チートシート.pptx
+++ b/チートシート.pptx
@@ -288,7 +288,7 @@
           <a:p>
             <a:fld id="{C1E02DA3-4CA4-7242-A49C-520A8F18AF5F}" type="datetimeFigureOut">
               <a:rPr kumimoji="1" lang="ja-JP" altLang="en-US" smtClean="0"/>
-              <a:t>17/02/11</a:t>
+              <a:t>17/11/18</a:t>
             </a:fld>
             <a:endParaRPr kumimoji="1" lang="ja-JP" altLang="en-US"/>
           </a:p>
@@ -490,7 +490,7 @@
           <a:p>
             <a:fld id="{C1E02DA3-4CA4-7242-A49C-520A8F18AF5F}" type="datetimeFigureOut">
               <a:rPr kumimoji="1" lang="ja-JP" altLang="en-US" smtClean="0"/>
-              <a:t>17/02/11</a:t>
+              <a:t>17/11/18</a:t>
             </a:fld>
             <a:endParaRPr kumimoji="1" lang="ja-JP" altLang="en-US"/>
           </a:p>
@@ -702,7 +702,7 @@
           <a:p>
             <a:fld id="{C1E02DA3-4CA4-7242-A49C-520A8F18AF5F}" type="datetimeFigureOut">
               <a:rPr kumimoji="1" lang="ja-JP" altLang="en-US" smtClean="0"/>
-              <a:t>17/02/11</a:t>
+              <a:t>17/11/18</a:t>
             </a:fld>
             <a:endParaRPr kumimoji="1" lang="ja-JP" altLang="en-US"/>
           </a:p>
@@ -904,7 +904,7 @@
           <a:p>
             <a:fld id="{C1E02DA3-4CA4-7242-A49C-520A8F18AF5F}" type="datetimeFigureOut">
               <a:rPr kumimoji="1" lang="ja-JP" altLang="en-US" smtClean="0"/>
-              <a:t>17/02/11</a:t>
+              <a:t>17/11/18</a:t>
             </a:fld>
             <a:endParaRPr kumimoji="1" lang="ja-JP" altLang="en-US"/>
           </a:p>
@@ -1150,7 +1150,7 @@
           <a:p>
             <a:fld id="{C1E02DA3-4CA4-7242-A49C-520A8F18AF5F}" type="datetimeFigureOut">
               <a:rPr kumimoji="1" lang="ja-JP" altLang="en-US" smtClean="0"/>
-              <a:t>17/02/11</a:t>
+              <a:t>17/11/18</a:t>
             </a:fld>
             <a:endParaRPr kumimoji="1" lang="ja-JP" altLang="en-US"/>
           </a:p>
@@ -1502,7 +1502,7 @@
           <a:p>
             <a:fld id="{C1E02DA3-4CA4-7242-A49C-520A8F18AF5F}" type="datetimeFigureOut">
               <a:rPr kumimoji="1" lang="ja-JP" altLang="en-US" smtClean="0"/>
-              <a:t>17/02/11</a:t>
+              <a:t>17/11/18</a:t>
             </a:fld>
             <a:endParaRPr kumimoji="1" lang="ja-JP" altLang="en-US"/>
           </a:p>
@@ -1988,7 +1988,7 @@
           <a:p>
             <a:fld id="{C1E02DA3-4CA4-7242-A49C-520A8F18AF5F}" type="datetimeFigureOut">
               <a:rPr kumimoji="1" lang="ja-JP" altLang="en-US" smtClean="0"/>
-              <a:t>17/02/11</a:t>
+              <a:t>17/11/18</a:t>
             </a:fld>
             <a:endParaRPr kumimoji="1" lang="ja-JP" altLang="en-US"/>
           </a:p>
@@ -2106,7 +2106,7 @@
           <a:p>
             <a:fld id="{C1E02DA3-4CA4-7242-A49C-520A8F18AF5F}" type="datetimeFigureOut">
               <a:rPr kumimoji="1" lang="ja-JP" altLang="en-US" smtClean="0"/>
-              <a:t>17/02/11</a:t>
+              <a:t>17/11/18</a:t>
             </a:fld>
             <a:endParaRPr kumimoji="1" lang="ja-JP" altLang="en-US"/>
           </a:p>
@@ -2201,7 +2201,7 @@
           <a:p>
             <a:fld id="{C1E02DA3-4CA4-7242-A49C-520A8F18AF5F}" type="datetimeFigureOut">
               <a:rPr kumimoji="1" lang="ja-JP" altLang="en-US" smtClean="0"/>
-              <a:t>17/02/11</a:t>
+              <a:t>17/11/18</a:t>
             </a:fld>
             <a:endParaRPr kumimoji="1" lang="ja-JP" altLang="en-US"/>
           </a:p>
@@ -2510,7 +2510,7 @@
           <a:p>
             <a:fld id="{C1E02DA3-4CA4-7242-A49C-520A8F18AF5F}" type="datetimeFigureOut">
               <a:rPr kumimoji="1" lang="ja-JP" altLang="en-US" smtClean="0"/>
-              <a:t>17/02/11</a:t>
+              <a:t>17/11/18</a:t>
             </a:fld>
             <a:endParaRPr kumimoji="1" lang="ja-JP" altLang="en-US"/>
           </a:p>
@@ -2763,7 +2763,7 @@
           <a:p>
             <a:fld id="{C1E02DA3-4CA4-7242-A49C-520A8F18AF5F}" type="datetimeFigureOut">
               <a:rPr kumimoji="1" lang="ja-JP" altLang="en-US" smtClean="0"/>
-              <a:t>17/02/11</a:t>
+              <a:t>17/11/18</a:t>
             </a:fld>
             <a:endParaRPr kumimoji="1" lang="ja-JP" altLang="en-US"/>
           </a:p>
@@ -3008,7 +3008,7 @@
           <a:p>
             <a:fld id="{C1E02DA3-4CA4-7242-A49C-520A8F18AF5F}" type="datetimeFigureOut">
               <a:rPr kumimoji="1" lang="ja-JP" altLang="en-US" smtClean="0"/>
-              <a:t>17/02/11</a:t>
+              <a:t>17/11/18</a:t>
             </a:fld>
             <a:endParaRPr kumimoji="1" lang="ja-JP" altLang="en-US"/>
           </a:p>
@@ -3392,7 +3392,7 @@
         <p:spPr>
           <a:xfrm>
             <a:off x="0" y="0"/>
-            <a:ext cx="9144000" cy="6463309"/>
+            <a:ext cx="9144000" cy="6186310"/>
           </a:xfrm>
           <a:prstGeom prst="rect">
             <a:avLst/>
@@ -3450,7 +3450,6 @@
               <a:rPr kumimoji="1" lang="en-US" altLang="ja-JP" dirty="0" smtClean="0"/>
               <a:t> </a:t>
             </a:r>
-            <a:endParaRPr kumimoji="1" lang="en-US" altLang="ja-JP" dirty="0" smtClean="0"/>
           </a:p>
           <a:p>
             <a:r>
@@ -3504,11 +3503,7 @@
             </a:r>
             <a:r>
               <a:rPr lang="ja-JP" altLang="en-US" dirty="0" smtClean="0"/>
-              <a:t>カーソル上の文字を削除しながら挿入</a:t>
-            </a:r>
-            <a:r>
-              <a:rPr lang="ja-JP" altLang="en-US" dirty="0" smtClean="0"/>
-              <a:t>モード</a:t>
+              <a:t>カーソル上の文字を削除しながら挿入モード</a:t>
             </a:r>
             <a:endParaRPr lang="en-US" altLang="ja-JP" dirty="0" smtClean="0"/>
           </a:p>
@@ -3519,50 +3514,56 @@
             </a:r>
             <a:r>
               <a:rPr lang="ja-JP" altLang="en-US" dirty="0" smtClean="0"/>
-              <a:t>行全体を削除</a:t>
-            </a:r>
-            <a:r>
-              <a:rPr lang="ja-JP" altLang="en-US" smtClean="0"/>
-              <a:t>し、挿入モード</a:t>
+              <a:t>行全体を削除し、挿入モード</a:t>
             </a:r>
             <a:endParaRPr lang="en-US" altLang="ja-JP" dirty="0" smtClean="0"/>
           </a:p>
           <a:p>
             <a:r>
               <a:rPr kumimoji="1" lang="en-US" altLang="ja-JP" dirty="0" smtClean="0"/>
-              <a:t>I </a:t>
-            </a:r>
-            <a:r>
-              <a:rPr kumimoji="1" lang="en-US" altLang="ja-JP" dirty="0" smtClean="0"/>
+              <a:t>I 		</a:t>
+            </a:r>
+            <a:r>
+              <a:rPr kumimoji="1" lang="ja-JP" altLang="en-US" dirty="0" smtClean="0"/>
+              <a:t>行頭から挿入モード</a:t>
+            </a:r>
+            <a:endParaRPr kumimoji="1" lang="en-US" altLang="ja-JP" dirty="0" smtClean="0"/>
+          </a:p>
+          <a:p>
+            <a:endParaRPr kumimoji="1" lang="en-US" altLang="ja-JP" dirty="0"/>
+          </a:p>
+          <a:p>
+            <a:r>
+              <a:rPr lang="en-US" altLang="ja-JP" dirty="0" smtClean="0"/>
+              <a:t>g;</a:t>
+            </a:r>
+            <a:r>
+              <a:rPr lang="ja-JP" altLang="en-US" dirty="0" smtClean="0"/>
+              <a:t> </a:t>
+            </a:r>
+            <a:r>
+              <a:rPr lang="en-US" altLang="ja-JP" dirty="0" smtClean="0"/>
               <a:t>		</a:t>
             </a:r>
             <a:r>
-              <a:rPr kumimoji="1" lang="ja-JP" altLang="en-US" dirty="0" smtClean="0"/>
-              <a:t>行頭から</a:t>
-            </a:r>
-            <a:r>
-              <a:rPr kumimoji="1" lang="ja-JP" altLang="en-US" dirty="0" smtClean="0"/>
-              <a:t>挿入</a:t>
-            </a:r>
-            <a:r>
-              <a:rPr kumimoji="1" lang="ja-JP" altLang="en-US" dirty="0" smtClean="0"/>
-              <a:t>モード</a:t>
-            </a:r>
-            <a:endParaRPr kumimoji="1" lang="en-US" altLang="ja-JP" dirty="0" smtClean="0"/>
+              <a:rPr lang="ja-JP" altLang="en-US" dirty="0" smtClean="0"/>
+              <a:t>変更箇所に戻る</a:t>
+            </a:r>
+            <a:endParaRPr lang="en-US" altLang="ja-JP" dirty="0" smtClean="0"/>
           </a:p>
           <a:p>
             <a:r>
               <a:rPr lang="en-US" altLang="ja-JP" dirty="0" smtClean="0"/>
-              <a:t>A		</a:t>
+              <a:t>g,		</a:t>
             </a:r>
             <a:r>
               <a:rPr lang="ja-JP" altLang="en-US" dirty="0" smtClean="0"/>
-              <a:t>行末から挿入モード</a:t>
+              <a:t>変更箇所に進む</a:t>
             </a:r>
             <a:endParaRPr lang="en-US" altLang="ja-JP" dirty="0"/>
           </a:p>
           <a:p>
-            <a:endParaRPr kumimoji="1" lang="en-US" altLang="ja-JP" dirty="0"/>
+            <a:endParaRPr lang="en-US" altLang="ja-JP" dirty="0" smtClean="0"/>
           </a:p>
           <a:p>
             <a:r>
@@ -3571,11 +3572,25 @@
             </a:r>
             <a:r>
               <a:rPr lang="en-US" altLang="ja-JP" dirty="0" smtClean="0"/>
-              <a:t>;</a:t>
+              <a:t>*/g# 	</a:t>
             </a:r>
             <a:r>
               <a:rPr lang="ja-JP" altLang="en-US" dirty="0" smtClean="0"/>
-              <a:t> </a:t>
+              <a:t>部分一致検索</a:t>
+            </a:r>
+            <a:endParaRPr lang="en-US" altLang="ja-JP" dirty="0" smtClean="0"/>
+          </a:p>
+          <a:p>
+            <a:endParaRPr lang="en-US" altLang="ja-JP" dirty="0"/>
+          </a:p>
+          <a:p>
+            <a:r>
+              <a:rPr lang="en-US" altLang="ja-JP" dirty="0" smtClean="0"/>
+              <a:t>q:</a:t>
+            </a:r>
+            <a:r>
+              <a:rPr lang="ja-JP" altLang="en-US" dirty="0" smtClean="0"/>
+              <a:t>　</a:t>
             </a:r>
             <a:r>
               <a:rPr lang="en-US" altLang="ja-JP" dirty="0" smtClean="0"/>
@@ -3583,116 +3598,73 @@
             </a:r>
             <a:r>
               <a:rPr lang="ja-JP" altLang="en-US" dirty="0" smtClean="0"/>
-              <a:t>変更箇所に戻る</a:t>
+              <a:t>コマンド履歴を</a:t>
+            </a:r>
+            <a:r>
+              <a:rPr lang="ja-JP" altLang="en-US" dirty="0" smtClean="0"/>
+              <a:t>表示</a:t>
             </a:r>
             <a:endParaRPr lang="en-US" altLang="ja-JP" dirty="0" smtClean="0"/>
           </a:p>
           <a:p>
+            <a:endParaRPr lang="en-US" altLang="ja-JP" dirty="0"/>
+          </a:p>
+          <a:p>
             <a:r>
               <a:rPr lang="en-US" altLang="ja-JP" dirty="0" smtClean="0"/>
-              <a:t>g,		</a:t>
+              <a:t>:b </a:t>
+            </a:r>
+            <a:r>
+              <a:rPr lang="en-US" altLang="ja-JP" dirty="0" err="1" smtClean="0"/>
+              <a:t>p/n</a:t>
+            </a:r>
+            <a:r>
+              <a:rPr lang="en-US" altLang="ja-JP" dirty="0" smtClean="0"/>
+              <a:t>	</a:t>
             </a:r>
             <a:r>
               <a:rPr lang="ja-JP" altLang="en-US" dirty="0" smtClean="0"/>
-              <a:t>変更箇所に</a:t>
+              <a:t>前、次のバッファへ移動</a:t>
+            </a:r>
+            <a:endParaRPr lang="en-US" altLang="ja-JP" dirty="0" smtClean="0"/>
+          </a:p>
+          <a:p>
+            <a:r>
+              <a:rPr lang="en-US" altLang="ja-JP" dirty="0" smtClean="0"/>
+              <a:t>:</a:t>
+            </a:r>
+            <a:r>
+              <a:rPr lang="en-US" altLang="ja-JP" dirty="0" err="1" smtClean="0"/>
+              <a:t>ls</a:t>
+            </a:r>
+            <a:r>
+              <a:rPr lang="en-US" altLang="ja-JP" dirty="0" smtClean="0"/>
+              <a:t> 		</a:t>
             </a:r>
             <a:r>
               <a:rPr lang="ja-JP" altLang="en-US" dirty="0" smtClean="0"/>
-              <a:t>進む</a:t>
+              <a:t>バッファ一覧の表示</a:t>
+            </a:r>
+            <a:endParaRPr lang="en-US" altLang="ja-JP" dirty="0" smtClean="0"/>
+          </a:p>
+          <a:p>
+            <a:r>
+              <a:rPr lang="en-US" altLang="ja-JP" dirty="0"/>
+              <a:t>:b </a:t>
+            </a:r>
+            <a:r>
+              <a:rPr lang="en-US" altLang="ja-JP" dirty="0" err="1"/>
+              <a:t>num</a:t>
+            </a:r>
+            <a:r>
+              <a:rPr lang="en-US" altLang="ja-JP" dirty="0"/>
+              <a:t>	</a:t>
+            </a:r>
+            <a:r>
+              <a:rPr lang="ja-JP" altLang="en-US" dirty="0" smtClean="0"/>
+              <a:t>バッファ一覧に振られている番号のバッファへ移動</a:t>
             </a:r>
             <a:endParaRPr lang="en-US" altLang="ja-JP" dirty="0"/>
-          </a:p>
-          <a:p>
-            <a:endParaRPr lang="en-US" altLang="ja-JP" dirty="0" smtClean="0"/>
-          </a:p>
-          <a:p>
-            <a:r>
-              <a:rPr lang="en-US" altLang="ja-JP" dirty="0" smtClean="0"/>
-              <a:t>. 		</a:t>
-            </a:r>
-            <a:r>
-              <a:rPr lang="ja-JP" altLang="en-US" dirty="0" smtClean="0"/>
-              <a:t>直前の動作を繰り返す</a:t>
-            </a:r>
-            <a:endParaRPr lang="en-US" altLang="ja-JP" dirty="0" smtClean="0"/>
-          </a:p>
-          <a:p>
-            <a:r>
-              <a:rPr lang="en-US" altLang="ja-JP" dirty="0" smtClean="0"/>
-              <a:t>g</a:t>
-            </a:r>
-            <a:r>
-              <a:rPr lang="en-US" altLang="ja-JP" dirty="0" smtClean="0"/>
-              <a:t>*/g# 	</a:t>
-            </a:r>
-            <a:r>
-              <a:rPr lang="ja-JP" altLang="en-US" dirty="0" smtClean="0"/>
-              <a:t>部分一致検索</a:t>
-            </a:r>
-            <a:endParaRPr lang="en-US" altLang="ja-JP" dirty="0" smtClean="0"/>
-          </a:p>
-          <a:p>
-            <a:endParaRPr lang="en-US" altLang="ja-JP" dirty="0" smtClean="0"/>
-          </a:p>
-          <a:p>
-            <a:r>
-              <a:rPr lang="en-US" altLang="ja-JP" dirty="0" err="1" smtClean="0"/>
-              <a:t>C-w+v,s</a:t>
-            </a:r>
-            <a:r>
-              <a:rPr lang="en-US" altLang="ja-JP" dirty="0" smtClean="0"/>
-              <a:t> 	</a:t>
-            </a:r>
-            <a:r>
-              <a:rPr lang="ja-JP" altLang="en-US" dirty="0" smtClean="0"/>
-              <a:t>ウィンドウを縦、横に</a:t>
-            </a:r>
-            <a:r>
-              <a:rPr lang="ja-JP" altLang="en-US" dirty="0" smtClean="0"/>
-              <a:t>分割</a:t>
-            </a:r>
-            <a:endParaRPr lang="en-US" altLang="ja-JP" dirty="0" smtClean="0"/>
-          </a:p>
-          <a:p>
-            <a:r>
-              <a:rPr lang="en-US" altLang="ja-JP" dirty="0" err="1" smtClean="0"/>
-              <a:t>C-w+h,j,k,l</a:t>
-            </a:r>
-            <a:r>
-              <a:rPr lang="ja-JP" altLang="en-US" dirty="0" smtClean="0"/>
-              <a:t>ウィンドウを</a:t>
-            </a:r>
-            <a:r>
-              <a:rPr lang="en-US" altLang="ja-JP" dirty="0" err="1" smtClean="0"/>
-              <a:t>h,j,k,l</a:t>
-            </a:r>
-            <a:r>
-              <a:rPr lang="ja-JP" altLang="en-US" dirty="0" smtClean="0"/>
-              <a:t>に移動</a:t>
-            </a:r>
-            <a:endParaRPr lang="en-US" altLang="ja-JP" dirty="0" smtClean="0"/>
-          </a:p>
-          <a:p>
-            <a:endParaRPr lang="en-US" altLang="ja-JP" dirty="0"/>
-          </a:p>
-          <a:p>
-            <a:r>
-              <a:rPr lang="en-US" altLang="ja-JP" dirty="0" smtClean="0"/>
-              <a:t>q:</a:t>
-            </a:r>
-            <a:r>
-              <a:rPr lang="ja-JP" altLang="en-US" dirty="0" smtClean="0"/>
-              <a:t>　</a:t>
-            </a:r>
-            <a:r>
-              <a:rPr lang="en-US" altLang="ja-JP" dirty="0" smtClean="0"/>
-              <a:t>		</a:t>
-            </a:r>
-            <a:r>
-              <a:rPr lang="ja-JP" altLang="en-US" dirty="0" smtClean="0"/>
-              <a:t>コマンド履歴を表示</a:t>
-            </a:r>
-            <a:endParaRPr lang="en-US" altLang="ja-JP" dirty="0" smtClean="0"/>
           </a:p>
           <a:p>
             <a:endParaRPr lang="en-US" altLang="ja-JP" dirty="0" smtClean="0"/>

--- a/チートシート.pptx
+++ b/チートシート.pptx
@@ -3392,7 +3392,7 @@
         <p:spPr>
           <a:xfrm>
             <a:off x="0" y="0"/>
-            <a:ext cx="9144000" cy="6186310"/>
+            <a:ext cx="9144000" cy="7294305"/>
           </a:xfrm>
           <a:prstGeom prst="rect">
             <a:avLst/>
@@ -3568,11 +3568,7 @@
           <a:p>
             <a:r>
               <a:rPr lang="en-US" altLang="ja-JP" dirty="0" smtClean="0"/>
-              <a:t>g</a:t>
-            </a:r>
-            <a:r>
-              <a:rPr lang="en-US" altLang="ja-JP" dirty="0" smtClean="0"/>
-              <a:t>*/g# 	</a:t>
+              <a:t>g*/g# 	</a:t>
             </a:r>
             <a:r>
               <a:rPr lang="ja-JP" altLang="en-US" dirty="0" smtClean="0"/>
@@ -3612,11 +3608,45 @@
           <a:p>
             <a:r>
               <a:rPr lang="en-US" altLang="ja-JP" dirty="0" smtClean="0"/>
-              <a:t>:b </a:t>
-            </a:r>
-            <a:r>
-              <a:rPr lang="en-US" altLang="ja-JP" dirty="0" err="1" smtClean="0"/>
-              <a:t>p/n</a:t>
+              <a:t>:close	</a:t>
+            </a:r>
+            <a:r>
+              <a:rPr lang="ja-JP" altLang="en-US" dirty="0" smtClean="0"/>
+              <a:t>ウィンドウを閉じる</a:t>
+            </a:r>
+            <a:endParaRPr lang="en-US" altLang="ja-JP" dirty="0" smtClean="0"/>
+          </a:p>
+          <a:p>
+            <a:endParaRPr lang="en-US" altLang="ja-JP" dirty="0"/>
+          </a:p>
+          <a:p>
+            <a:r>
+              <a:rPr lang="en-US" altLang="ja-JP" dirty="0" smtClean="0"/>
+              <a:t>:</a:t>
+            </a:r>
+            <a:r>
+              <a:rPr lang="en-US" altLang="ja-JP" dirty="0" smtClean="0"/>
+              <a:t>b</a:t>
+            </a:r>
+            <a:r>
+              <a:rPr lang="en-US" altLang="ja-JP" dirty="0" smtClean="0"/>
+              <a:t>(</a:t>
+            </a:r>
+            <a:r>
+              <a:rPr lang="en-US" altLang="ja-JP" dirty="0" smtClean="0"/>
+              <a:t>p</a:t>
+            </a:r>
+            <a:r>
+              <a:rPr lang="en-US" altLang="ja-JP" dirty="0" smtClean="0"/>
+              <a:t>/</a:t>
+            </a:r>
+            <a:r>
+              <a:rPr lang="en-US" altLang="ja-JP" dirty="0" smtClean="0"/>
+              <a:t>n</a:t>
+            </a:r>
+            <a:r>
+              <a:rPr lang="en-US" altLang="ja-JP" dirty="0" smtClean="0"/>
+              <a:t>)</a:t>
             </a:r>
             <a:r>
               <a:rPr lang="en-US" altLang="ja-JP" dirty="0" smtClean="0"/>
@@ -3662,8 +3692,50 @@
             </a:r>
             <a:r>
               <a:rPr lang="ja-JP" altLang="en-US" dirty="0" smtClean="0"/>
-              <a:t>バッファ一覧に振られている番号のバッファへ移動</a:t>
-            </a:r>
+              <a:t>バッファ一覧に振られている番号のバッファへ</a:t>
+            </a:r>
+            <a:r>
+              <a:rPr lang="ja-JP" altLang="en-US" dirty="0" smtClean="0"/>
+              <a:t>移動</a:t>
+            </a:r>
+            <a:endParaRPr lang="en-US" altLang="ja-JP" dirty="0" smtClean="0"/>
+          </a:p>
+          <a:p>
+            <a:r>
+              <a:rPr lang="en-US" altLang="ja-JP" dirty="0" smtClean="0"/>
+              <a:t>:</a:t>
+            </a:r>
+            <a:r>
+              <a:rPr lang="en-US" altLang="ja-JP" dirty="0" err="1" smtClean="0"/>
+              <a:t>bd</a:t>
+            </a:r>
+            <a:r>
+              <a:rPr lang="en-US" altLang="ja-JP" dirty="0" smtClean="0"/>
+              <a:t>  </a:t>
+            </a:r>
+            <a:r>
+              <a:rPr lang="en-US" altLang="ja-JP" dirty="0" err="1" smtClean="0"/>
+              <a:t>hoge</a:t>
+            </a:r>
+            <a:r>
+              <a:rPr lang="en-US" altLang="ja-JP" dirty="0" smtClean="0"/>
+              <a:t>	</a:t>
+            </a:r>
+            <a:r>
+              <a:rPr lang="ja-JP" altLang="en-US" dirty="0" smtClean="0"/>
+              <a:t>バッファ</a:t>
+            </a:r>
+            <a:r>
+              <a:rPr lang="en-US" altLang="ja-JP" dirty="0" err="1" smtClean="0"/>
+              <a:t>hoge</a:t>
+            </a:r>
+            <a:r>
+              <a:rPr lang="ja-JP" altLang="en-US" dirty="0" smtClean="0"/>
+              <a:t>を閉じる（削除する）</a:t>
+            </a:r>
+            <a:endParaRPr lang="en-US" altLang="ja-JP" dirty="0" smtClean="0"/>
+          </a:p>
+          <a:p>
             <a:endParaRPr lang="en-US" altLang="ja-JP" dirty="0"/>
           </a:p>
           <a:p>

--- a/チートシート.pptx
+++ b/チートシート.pptx
@@ -288,7 +288,7 @@
           <a:p>
             <a:fld id="{C1E02DA3-4CA4-7242-A49C-520A8F18AF5F}" type="datetimeFigureOut">
               <a:rPr kumimoji="1" lang="ja-JP" altLang="en-US" smtClean="0"/>
-              <a:t>17/11/18</a:t>
+              <a:t>17/11/21</a:t>
             </a:fld>
             <a:endParaRPr kumimoji="1" lang="ja-JP" altLang="en-US"/>
           </a:p>
@@ -490,7 +490,7 @@
           <a:p>
             <a:fld id="{C1E02DA3-4CA4-7242-A49C-520A8F18AF5F}" type="datetimeFigureOut">
               <a:rPr kumimoji="1" lang="ja-JP" altLang="en-US" smtClean="0"/>
-              <a:t>17/11/18</a:t>
+              <a:t>17/11/21</a:t>
             </a:fld>
             <a:endParaRPr kumimoji="1" lang="ja-JP" altLang="en-US"/>
           </a:p>
@@ -702,7 +702,7 @@
           <a:p>
             <a:fld id="{C1E02DA3-4CA4-7242-A49C-520A8F18AF5F}" type="datetimeFigureOut">
               <a:rPr kumimoji="1" lang="ja-JP" altLang="en-US" smtClean="0"/>
-              <a:t>17/11/18</a:t>
+              <a:t>17/11/21</a:t>
             </a:fld>
             <a:endParaRPr kumimoji="1" lang="ja-JP" altLang="en-US"/>
           </a:p>
@@ -904,7 +904,7 @@
           <a:p>
             <a:fld id="{C1E02DA3-4CA4-7242-A49C-520A8F18AF5F}" type="datetimeFigureOut">
               <a:rPr kumimoji="1" lang="ja-JP" altLang="en-US" smtClean="0"/>
-              <a:t>17/11/18</a:t>
+              <a:t>17/11/21</a:t>
             </a:fld>
             <a:endParaRPr kumimoji="1" lang="ja-JP" altLang="en-US"/>
           </a:p>
@@ -1150,7 +1150,7 @@
           <a:p>
             <a:fld id="{C1E02DA3-4CA4-7242-A49C-520A8F18AF5F}" type="datetimeFigureOut">
               <a:rPr kumimoji="1" lang="ja-JP" altLang="en-US" smtClean="0"/>
-              <a:t>17/11/18</a:t>
+              <a:t>17/11/21</a:t>
             </a:fld>
             <a:endParaRPr kumimoji="1" lang="ja-JP" altLang="en-US"/>
           </a:p>
@@ -1502,7 +1502,7 @@
           <a:p>
             <a:fld id="{C1E02DA3-4CA4-7242-A49C-520A8F18AF5F}" type="datetimeFigureOut">
               <a:rPr kumimoji="1" lang="ja-JP" altLang="en-US" smtClean="0"/>
-              <a:t>17/11/18</a:t>
+              <a:t>17/11/21</a:t>
             </a:fld>
             <a:endParaRPr kumimoji="1" lang="ja-JP" altLang="en-US"/>
           </a:p>
@@ -1988,7 +1988,7 @@
           <a:p>
             <a:fld id="{C1E02DA3-4CA4-7242-A49C-520A8F18AF5F}" type="datetimeFigureOut">
               <a:rPr kumimoji="1" lang="ja-JP" altLang="en-US" smtClean="0"/>
-              <a:t>17/11/18</a:t>
+              <a:t>17/11/21</a:t>
             </a:fld>
             <a:endParaRPr kumimoji="1" lang="ja-JP" altLang="en-US"/>
           </a:p>
@@ -2106,7 +2106,7 @@
           <a:p>
             <a:fld id="{C1E02DA3-4CA4-7242-A49C-520A8F18AF5F}" type="datetimeFigureOut">
               <a:rPr kumimoji="1" lang="ja-JP" altLang="en-US" smtClean="0"/>
-              <a:t>17/11/18</a:t>
+              <a:t>17/11/21</a:t>
             </a:fld>
             <a:endParaRPr kumimoji="1" lang="ja-JP" altLang="en-US"/>
           </a:p>
@@ -2201,7 +2201,7 @@
           <a:p>
             <a:fld id="{C1E02DA3-4CA4-7242-A49C-520A8F18AF5F}" type="datetimeFigureOut">
               <a:rPr kumimoji="1" lang="ja-JP" altLang="en-US" smtClean="0"/>
-              <a:t>17/11/18</a:t>
+              <a:t>17/11/21</a:t>
             </a:fld>
             <a:endParaRPr kumimoji="1" lang="ja-JP" altLang="en-US"/>
           </a:p>
@@ -2510,7 +2510,7 @@
           <a:p>
             <a:fld id="{C1E02DA3-4CA4-7242-A49C-520A8F18AF5F}" type="datetimeFigureOut">
               <a:rPr kumimoji="1" lang="ja-JP" altLang="en-US" smtClean="0"/>
-              <a:t>17/11/18</a:t>
+              <a:t>17/11/21</a:t>
             </a:fld>
             <a:endParaRPr kumimoji="1" lang="ja-JP" altLang="en-US"/>
           </a:p>
@@ -2763,7 +2763,7 @@
           <a:p>
             <a:fld id="{C1E02DA3-4CA4-7242-A49C-520A8F18AF5F}" type="datetimeFigureOut">
               <a:rPr kumimoji="1" lang="ja-JP" altLang="en-US" smtClean="0"/>
-              <a:t>17/11/18</a:t>
+              <a:t>17/11/21</a:t>
             </a:fld>
             <a:endParaRPr kumimoji="1" lang="ja-JP" altLang="en-US"/>
           </a:p>
@@ -3008,7 +3008,7 @@
           <a:p>
             <a:fld id="{C1E02DA3-4CA4-7242-A49C-520A8F18AF5F}" type="datetimeFigureOut">
               <a:rPr kumimoji="1" lang="ja-JP" altLang="en-US" smtClean="0"/>
-              <a:t>17/11/18</a:t>
+              <a:t>17/11/21</a:t>
             </a:fld>
             <a:endParaRPr kumimoji="1" lang="ja-JP" altLang="en-US"/>
           </a:p>
@@ -3392,7 +3392,7 @@
         <p:spPr>
           <a:xfrm>
             <a:off x="0" y="0"/>
-            <a:ext cx="9144000" cy="7294305"/>
+            <a:ext cx="9144000" cy="7571303"/>
           </a:xfrm>
           <a:prstGeom prst="rect">
             <a:avLst/>
@@ -3594,11 +3594,61 @@
             </a:r>
             <a:r>
               <a:rPr lang="ja-JP" altLang="en-US" dirty="0" smtClean="0"/>
-              <a:t>コマンド履歴を</a:t>
+              <a:t>コマンド履歴を表示</a:t>
+            </a:r>
+            <a:endParaRPr lang="en-US" altLang="ja-JP" dirty="0" smtClean="0"/>
+          </a:p>
+          <a:p>
+            <a:endParaRPr lang="en-US" altLang="ja-JP" dirty="0"/>
+          </a:p>
+          <a:p>
+            <a:r>
+              <a:rPr lang="ja-JP" altLang="ja-JP" dirty="0" smtClean="0"/>
+              <a:t>:</a:t>
+            </a:r>
+            <a:r>
+              <a:rPr lang="en-US" altLang="ja-JP" dirty="0" smtClean="0"/>
+              <a:t>vim</a:t>
             </a:r>
             <a:r>
               <a:rPr lang="ja-JP" altLang="en-US" dirty="0" smtClean="0"/>
-              <a:t>表示</a:t>
+              <a:t> </a:t>
+            </a:r>
+            <a:r>
+              <a:rPr lang="en-US" altLang="ja-JP" dirty="0" smtClean="0"/>
+              <a:t>{pattern}</a:t>
+            </a:r>
+            <a:r>
+              <a:rPr lang="ja-JP" altLang="en-US" dirty="0" smtClean="0"/>
+              <a:t> </a:t>
+            </a:r>
+            <a:r>
+              <a:rPr lang="en-US" altLang="ja-JP" dirty="0" smtClean="0"/>
+              <a:t>{files} | </a:t>
+            </a:r>
+            <a:r>
+              <a:rPr lang="en-US" altLang="ja-JP" dirty="0" err="1" smtClean="0"/>
+              <a:t>cw</a:t>
+            </a:r>
+            <a:r>
+              <a:rPr lang="en-US" altLang="ja-JP" dirty="0" smtClean="0"/>
+              <a:t>     files</a:t>
+            </a:r>
+            <a:r>
+              <a:rPr lang="ja-JP" altLang="en-US" dirty="0" smtClean="0"/>
+              <a:t>の</a:t>
+            </a:r>
+            <a:r>
+              <a:rPr lang="ja-JP" altLang="en-US" smtClean="0"/>
+              <a:t>中から</a:t>
+            </a:r>
+            <a:r>
+              <a:rPr lang="en-US" altLang="ja-JP" smtClean="0"/>
+              <a:t>pattern</a:t>
+            </a:r>
+            <a:r>
+              <a:rPr lang="ja-JP" altLang="en-US" dirty="0" smtClean="0"/>
+              <a:t>に一致する文字列を別ウィンドウに出す</a:t>
             </a:r>
             <a:endParaRPr lang="en-US" altLang="ja-JP" dirty="0" smtClean="0"/>
           </a:p>
@@ -3608,16 +3658,13 @@
           <a:p>
             <a:r>
               <a:rPr lang="en-US" altLang="ja-JP" dirty="0" smtClean="0"/>
-              <a:t>:close	</a:t>
+              <a:t>:b(p/n)	</a:t>
             </a:r>
             <a:r>
               <a:rPr lang="ja-JP" altLang="en-US" dirty="0" smtClean="0"/>
-              <a:t>ウィンドウを閉じる</a:t>
+              <a:t>前、次のバッファへ移動</a:t>
             </a:r>
             <a:endParaRPr lang="en-US" altLang="ja-JP" dirty="0" smtClean="0"/>
-          </a:p>
-          <a:p>
-            <a:endParaRPr lang="en-US" altLang="ja-JP" dirty="0"/>
           </a:p>
           <a:p>
             <a:r>
@@ -3625,45 +3672,6 @@
               <a:t>:</a:t>
             </a:r>
             <a:r>
-              <a:rPr lang="en-US" altLang="ja-JP" dirty="0" smtClean="0"/>
-              <a:t>b</a:t>
-            </a:r>
-            <a:r>
-              <a:rPr lang="en-US" altLang="ja-JP" dirty="0" smtClean="0"/>
-              <a:t>(</a:t>
-            </a:r>
-            <a:r>
-              <a:rPr lang="en-US" altLang="ja-JP" dirty="0" smtClean="0"/>
-              <a:t>p</a:t>
-            </a:r>
-            <a:r>
-              <a:rPr lang="en-US" altLang="ja-JP" dirty="0" smtClean="0"/>
-              <a:t>/</a:t>
-            </a:r>
-            <a:r>
-              <a:rPr lang="en-US" altLang="ja-JP" dirty="0" smtClean="0"/>
-              <a:t>n</a:t>
-            </a:r>
-            <a:r>
-              <a:rPr lang="en-US" altLang="ja-JP" dirty="0" smtClean="0"/>
-              <a:t>)</a:t>
-            </a:r>
-            <a:r>
-              <a:rPr lang="en-US" altLang="ja-JP" dirty="0" smtClean="0"/>
-              <a:t>	</a:t>
-            </a:r>
-            <a:r>
-              <a:rPr lang="ja-JP" altLang="en-US" dirty="0" smtClean="0"/>
-              <a:t>前、次のバッファへ移動</a:t>
-            </a:r>
-            <a:endParaRPr lang="en-US" altLang="ja-JP" dirty="0" smtClean="0"/>
-          </a:p>
-          <a:p>
-            <a:r>
-              <a:rPr lang="en-US" altLang="ja-JP" dirty="0" smtClean="0"/>
-              <a:t>:</a:t>
-            </a:r>
-            <a:r>
               <a:rPr lang="en-US" altLang="ja-JP" dirty="0" err="1" smtClean="0"/>
               <a:t>ls</a:t>
             </a:r>
@@ -3692,11 +3700,7 @@
             </a:r>
             <a:r>
               <a:rPr lang="ja-JP" altLang="en-US" dirty="0" smtClean="0"/>
-              <a:t>バッファ一覧に振られている番号のバッファへ</a:t>
-            </a:r>
-            <a:r>
-              <a:rPr lang="ja-JP" altLang="en-US" dirty="0" smtClean="0"/>
-              <a:t>移動</a:t>
+              <a:t>バッファ一覧に振られている番号のバッファへ移動</a:t>
             </a:r>
             <a:endParaRPr lang="en-US" altLang="ja-JP" dirty="0" smtClean="0"/>
           </a:p>
